--- a/Mini Project 2 end sem final.pptx
+++ b/Mini Project 2 end sem final.pptx
@@ -24607,7 +24607,7 @@
           <a:p>
             <a:r>
               <a:rPr lang="en-US" dirty="0"/>
-              <a:t> 	An user only uses this application when he/she doesn’t the name of a particular song/music.</a:t>
+              <a:t> 	An user only uses this application when he/she doesn’t know the name of a particular song/music, and our application helps them to find it.</a:t>
             </a:r>
           </a:p>
           <a:p>
@@ -24619,7 +24619,15 @@
           <a:p>
             <a:r>
               <a:rPr lang="en-US" dirty="0"/>
-              <a:t>We mentioned the name of the song before playing, so that we could verify the application detects the song correctly.</a:t>
+              <a:t>We mentioned the name of the song in the </a:t>
+            </a:r>
+            <a:r>
+              <a:rPr lang="en-US"/>
+              <a:t>beginning itself, </a:t>
+            </a:r>
+            <a:r>
+              <a:rPr lang="en-US" dirty="0"/>
+              <a:t>so that we could verify the application detects the song correctly.</a:t>
             </a:r>
           </a:p>
         </p:txBody>
